--- a/과제5발표.pptx
+++ b/과제5발표.pptx
@@ -6,20 +6,22 @@
   </p:sldMasterIdLst>
   <p:sldIdLst>
     <p:sldId id="263" r:id="rId2"/>
-    <p:sldId id="264" r:id="rId3"/>
-    <p:sldId id="270" r:id="rId4"/>
-    <p:sldId id="265" r:id="rId5"/>
-    <p:sldId id="266" r:id="rId6"/>
-    <p:sldId id="267" r:id="rId7"/>
-    <p:sldId id="268" r:id="rId8"/>
-    <p:sldId id="269" r:id="rId9"/>
-    <p:sldId id="271" r:id="rId10"/>
-    <p:sldId id="257" r:id="rId11"/>
-    <p:sldId id="258" r:id="rId12"/>
-    <p:sldId id="259" r:id="rId13"/>
-    <p:sldId id="260" r:id="rId14"/>
-    <p:sldId id="261" r:id="rId15"/>
-    <p:sldId id="262" r:id="rId16"/>
+    <p:sldId id="273" r:id="rId3"/>
+    <p:sldId id="272" r:id="rId4"/>
+    <p:sldId id="264" r:id="rId5"/>
+    <p:sldId id="270" r:id="rId6"/>
+    <p:sldId id="265" r:id="rId7"/>
+    <p:sldId id="266" r:id="rId8"/>
+    <p:sldId id="267" r:id="rId9"/>
+    <p:sldId id="268" r:id="rId10"/>
+    <p:sldId id="269" r:id="rId11"/>
+    <p:sldId id="271" r:id="rId12"/>
+    <p:sldId id="257" r:id="rId13"/>
+    <p:sldId id="258" r:id="rId14"/>
+    <p:sldId id="259" r:id="rId15"/>
+    <p:sldId id="260" r:id="rId16"/>
+    <p:sldId id="261" r:id="rId17"/>
+    <p:sldId id="262" r:id="rId18"/>
   </p:sldIdLst>
   <p:sldSz cx="9144000" cy="6858000" type="screen4x3"/>
   <p:notesSz cx="6858000" cy="9144000"/>
@@ -302,7 +304,7 @@
           <a:p>
             <a:fld id="{C6578000-6E7C-41F5-B33E-DEFFCDC3C8F7}" type="datetimeFigureOut">
               <a:rPr lang="ko-KR" altLang="en-US" smtClean="0"/>
-              <a:t>2018-12-11</a:t>
+              <a:t>2023-05-17</a:t>
             </a:fld>
             <a:endParaRPr lang="ko-KR" altLang="en-US"/>
           </a:p>
@@ -472,7 +474,7 @@
           <a:p>
             <a:fld id="{C6578000-6E7C-41F5-B33E-DEFFCDC3C8F7}" type="datetimeFigureOut">
               <a:rPr lang="ko-KR" altLang="en-US" smtClean="0"/>
-              <a:t>2018-12-11</a:t>
+              <a:t>2023-05-17</a:t>
             </a:fld>
             <a:endParaRPr lang="ko-KR" altLang="en-US"/>
           </a:p>
@@ -652,7 +654,7 @@
           <a:p>
             <a:fld id="{C6578000-6E7C-41F5-B33E-DEFFCDC3C8F7}" type="datetimeFigureOut">
               <a:rPr lang="ko-KR" altLang="en-US" smtClean="0"/>
-              <a:t>2018-12-11</a:t>
+              <a:t>2023-05-17</a:t>
             </a:fld>
             <a:endParaRPr lang="ko-KR" altLang="en-US"/>
           </a:p>
@@ -822,7 +824,7 @@
           <a:p>
             <a:fld id="{C6578000-6E7C-41F5-B33E-DEFFCDC3C8F7}" type="datetimeFigureOut">
               <a:rPr lang="ko-KR" altLang="en-US" smtClean="0"/>
-              <a:t>2018-12-11</a:t>
+              <a:t>2023-05-17</a:t>
             </a:fld>
             <a:endParaRPr lang="ko-KR" altLang="en-US"/>
           </a:p>
@@ -1068,7 +1070,7 @@
           <a:p>
             <a:fld id="{C6578000-6E7C-41F5-B33E-DEFFCDC3C8F7}" type="datetimeFigureOut">
               <a:rPr lang="ko-KR" altLang="en-US" smtClean="0"/>
-              <a:t>2018-12-11</a:t>
+              <a:t>2023-05-17</a:t>
             </a:fld>
             <a:endParaRPr lang="ko-KR" altLang="en-US"/>
           </a:p>
@@ -1356,7 +1358,7 @@
           <a:p>
             <a:fld id="{C6578000-6E7C-41F5-B33E-DEFFCDC3C8F7}" type="datetimeFigureOut">
               <a:rPr lang="ko-KR" altLang="en-US" smtClean="0"/>
-              <a:t>2018-12-11</a:t>
+              <a:t>2023-05-17</a:t>
             </a:fld>
             <a:endParaRPr lang="ko-KR" altLang="en-US"/>
           </a:p>
@@ -1778,7 +1780,7 @@
           <a:p>
             <a:fld id="{C6578000-6E7C-41F5-B33E-DEFFCDC3C8F7}" type="datetimeFigureOut">
               <a:rPr lang="ko-KR" altLang="en-US" smtClean="0"/>
-              <a:t>2018-12-11</a:t>
+              <a:t>2023-05-17</a:t>
             </a:fld>
             <a:endParaRPr lang="ko-KR" altLang="en-US"/>
           </a:p>
@@ -1896,7 +1898,7 @@
           <a:p>
             <a:fld id="{C6578000-6E7C-41F5-B33E-DEFFCDC3C8F7}" type="datetimeFigureOut">
               <a:rPr lang="ko-KR" altLang="en-US" smtClean="0"/>
-              <a:t>2018-12-11</a:t>
+              <a:t>2023-05-17</a:t>
             </a:fld>
             <a:endParaRPr lang="ko-KR" altLang="en-US"/>
           </a:p>
@@ -1991,7 +1993,7 @@
           <a:p>
             <a:fld id="{C6578000-6E7C-41F5-B33E-DEFFCDC3C8F7}" type="datetimeFigureOut">
               <a:rPr lang="ko-KR" altLang="en-US" smtClean="0"/>
-              <a:t>2018-12-11</a:t>
+              <a:t>2023-05-17</a:t>
             </a:fld>
             <a:endParaRPr lang="ko-KR" altLang="en-US"/>
           </a:p>
@@ -2268,7 +2270,7 @@
           <a:p>
             <a:fld id="{C6578000-6E7C-41F5-B33E-DEFFCDC3C8F7}" type="datetimeFigureOut">
               <a:rPr lang="ko-KR" altLang="en-US" smtClean="0"/>
-              <a:t>2018-12-11</a:t>
+              <a:t>2023-05-17</a:t>
             </a:fld>
             <a:endParaRPr lang="ko-KR" altLang="en-US"/>
           </a:p>
@@ -2521,7 +2523,7 @@
           <a:p>
             <a:fld id="{C6578000-6E7C-41F5-B33E-DEFFCDC3C8F7}" type="datetimeFigureOut">
               <a:rPr lang="ko-KR" altLang="en-US" smtClean="0"/>
-              <a:t>2018-12-11</a:t>
+              <a:t>2023-05-17</a:t>
             </a:fld>
             <a:endParaRPr lang="ko-KR" altLang="en-US"/>
           </a:p>
@@ -2734,7 +2736,7 @@
           <a:p>
             <a:fld id="{C6578000-6E7C-41F5-B33E-DEFFCDC3C8F7}" type="datetimeFigureOut">
               <a:rPr lang="ko-KR" altLang="en-US" smtClean="0"/>
-              <a:t>2018-12-11</a:t>
+              <a:t>2023-05-17</a:t>
             </a:fld>
             <a:endParaRPr lang="ko-KR" altLang="en-US"/>
           </a:p>
@@ -3204,6 +3206,450 @@
           <a:chExt cx="0" cy="0"/>
         </a:xfrm>
       </p:grpSpPr>
+      <p:pic>
+        <p:nvPicPr>
+          <p:cNvPr id="6146" name="Picture 2"/>
+          <p:cNvPicPr>
+            <a:picLocks noChangeAspect="1" noChangeArrowheads="1"/>
+          </p:cNvPicPr>
+          <p:nvPr/>
+        </p:nvPicPr>
+        <p:blipFill rotWithShape="1">
+          <a:blip r:embed="rId2">
+            <a:extLst>
+              <a:ext uri="{28A0092B-C50C-407E-A947-70E740481C1C}">
+                <a14:useLocalDpi xmlns:a14="http://schemas.microsoft.com/office/drawing/2010/main" val="0"/>
+              </a:ext>
+            </a:extLst>
+          </a:blip>
+          <a:srcRect b="19733"/>
+          <a:stretch/>
+        </p:blipFill>
+        <p:spPr bwMode="auto">
+          <a:xfrm>
+            <a:off x="716965" y="980728"/>
+            <a:ext cx="8105775" cy="3700400"/>
+          </a:xfrm>
+          <a:prstGeom prst="rect">
+            <a:avLst/>
+          </a:prstGeom>
+          <a:noFill/>
+          <a:ln>
+            <a:noFill/>
+          </a:ln>
+          <a:extLst>
+            <a:ext uri="{909E8E84-426E-40DD-AFC4-6F175D3DCCD1}">
+              <a14:hiddenFill xmlns:a14="http://schemas.microsoft.com/office/drawing/2010/main">
+                <a:solidFill>
+                  <a:schemeClr val="accent1"/>
+                </a:solidFill>
+              </a14:hiddenFill>
+            </a:ext>
+            <a:ext uri="{91240B29-F687-4F45-9708-019B960494DF}">
+              <a14:hiddenLine xmlns:a14="http://schemas.microsoft.com/office/drawing/2010/main" w="9525">
+                <a:solidFill>
+                  <a:schemeClr val="tx1"/>
+                </a:solidFill>
+                <a:miter lim="800000"/>
+                <a:headEnd/>
+                <a:tailEnd/>
+              </a14:hiddenLine>
+            </a:ext>
+          </a:extLst>
+        </p:spPr>
+      </p:pic>
+      <p:sp>
+        <p:nvSpPr>
+          <p:cNvPr id="6" name="TextBox 5"/>
+          <p:cNvSpPr txBox="1"/>
+          <p:nvPr/>
+        </p:nvSpPr>
+        <p:spPr>
+          <a:xfrm>
+            <a:off x="4210743" y="307975"/>
+            <a:ext cx="1080120" cy="584775"/>
+          </a:xfrm>
+          <a:prstGeom prst="rect">
+            <a:avLst/>
+          </a:prstGeom>
+          <a:noFill/>
+        </p:spPr>
+        <p:txBody>
+          <a:bodyPr wrap="square" rtlCol="0">
+            <a:spAutoFit/>
+          </a:bodyPr>
+          <a:lstStyle/>
+          <a:p>
+            <a:r>
+              <a:rPr lang="en-US" altLang="ko-KR" sz="3200" dirty="0"/>
+              <a:t>5</a:t>
+            </a:r>
+            <a:r>
+              <a:rPr lang="ko-KR" altLang="en-US" sz="3200" dirty="0" smtClean="0"/>
+              <a:t>번</a:t>
+            </a:r>
+            <a:endParaRPr lang="ko-KR" altLang="en-US" sz="3200" dirty="0"/>
+          </a:p>
+        </p:txBody>
+      </p:sp>
+      <p:pic>
+        <p:nvPicPr>
+          <p:cNvPr id="6148" name="Picture 4"/>
+          <p:cNvPicPr>
+            <a:picLocks noChangeAspect="1" noChangeArrowheads="1"/>
+          </p:cNvPicPr>
+          <p:nvPr/>
+        </p:nvPicPr>
+        <p:blipFill>
+          <a:blip r:embed="rId3">
+            <a:extLst>
+              <a:ext uri="{28A0092B-C50C-407E-A947-70E740481C1C}">
+                <a14:useLocalDpi xmlns:a14="http://schemas.microsoft.com/office/drawing/2010/main" val="0"/>
+              </a:ext>
+            </a:extLst>
+          </a:blip>
+          <a:srcRect/>
+          <a:stretch>
+            <a:fillRect/>
+          </a:stretch>
+        </p:blipFill>
+        <p:spPr bwMode="auto">
+          <a:xfrm>
+            <a:off x="539552" y="5589240"/>
+            <a:ext cx="8143875" cy="771525"/>
+          </a:xfrm>
+          <a:prstGeom prst="rect">
+            <a:avLst/>
+          </a:prstGeom>
+          <a:noFill/>
+          <a:ln>
+            <a:noFill/>
+          </a:ln>
+          <a:extLst>
+            <a:ext uri="{909E8E84-426E-40DD-AFC4-6F175D3DCCD1}">
+              <a14:hiddenFill xmlns:a14="http://schemas.microsoft.com/office/drawing/2010/main">
+                <a:solidFill>
+                  <a:schemeClr val="accent1"/>
+                </a:solidFill>
+              </a14:hiddenFill>
+            </a:ext>
+            <a:ext uri="{91240B29-F687-4F45-9708-019B960494DF}">
+              <a14:hiddenLine xmlns:a14="http://schemas.microsoft.com/office/drawing/2010/main" w="9525">
+                <a:solidFill>
+                  <a:schemeClr val="tx1"/>
+                </a:solidFill>
+                <a:miter lim="800000"/>
+                <a:headEnd/>
+                <a:tailEnd/>
+              </a14:hiddenLine>
+            </a:ext>
+          </a:extLst>
+        </p:spPr>
+      </p:pic>
+      <p:sp>
+        <p:nvSpPr>
+          <p:cNvPr id="10" name="TextBox 9"/>
+          <p:cNvSpPr txBox="1"/>
+          <p:nvPr/>
+        </p:nvSpPr>
+        <p:spPr>
+          <a:xfrm>
+            <a:off x="3851920" y="4869160"/>
+            <a:ext cx="1080120" cy="584775"/>
+          </a:xfrm>
+          <a:prstGeom prst="rect">
+            <a:avLst/>
+          </a:prstGeom>
+          <a:noFill/>
+        </p:spPr>
+        <p:txBody>
+          <a:bodyPr wrap="square" rtlCol="0">
+            <a:spAutoFit/>
+          </a:bodyPr>
+          <a:lstStyle/>
+          <a:p>
+            <a:r>
+              <a:rPr lang="en-US" altLang="ko-KR" sz="3200" dirty="0" smtClean="0"/>
+              <a:t>6</a:t>
+            </a:r>
+            <a:r>
+              <a:rPr lang="ko-KR" altLang="en-US" sz="3200" dirty="0" smtClean="0"/>
+              <a:t>번</a:t>
+            </a:r>
+            <a:endParaRPr lang="ko-KR" altLang="en-US" sz="3200" dirty="0"/>
+          </a:p>
+        </p:txBody>
+      </p:sp>
+    </p:spTree>
+    <p:extLst>
+      <p:ext uri="{BB962C8B-B14F-4D97-AF65-F5344CB8AC3E}">
+        <p14:creationId xmlns:p14="http://schemas.microsoft.com/office/powerpoint/2010/main" val="2326912738"/>
+      </p:ext>
+    </p:extLst>
+  </p:cSld>
+  <p:clrMapOvr>
+    <a:masterClrMapping/>
+  </p:clrMapOvr>
+</p:sld>
+</file>
+
+<file path=ppt/slides/slide11.xml><?xml version="1.0" encoding="utf-8"?>
+<p:sld xmlns:a="http://schemas.openxmlformats.org/drawingml/2006/main" xmlns:r="http://schemas.openxmlformats.org/officeDocument/2006/relationships" xmlns:p="http://schemas.openxmlformats.org/presentationml/2006/main">
+  <p:cSld>
+    <p:spTree>
+      <p:nvGrpSpPr>
+        <p:cNvPr id="1" name=""/>
+        <p:cNvGrpSpPr/>
+        <p:nvPr/>
+      </p:nvGrpSpPr>
+      <p:grpSpPr>
+        <a:xfrm>
+          <a:off x="0" y="0"/>
+          <a:ext cx="0" cy="0"/>
+          <a:chOff x="0" y="0"/>
+          <a:chExt cx="0" cy="0"/>
+        </a:xfrm>
+      </p:grpSpPr>
+      <p:sp>
+        <p:nvSpPr>
+          <p:cNvPr id="6" name="TextBox 5"/>
+          <p:cNvSpPr txBox="1"/>
+          <p:nvPr/>
+        </p:nvSpPr>
+        <p:spPr>
+          <a:xfrm>
+            <a:off x="3491880" y="620688"/>
+            <a:ext cx="2386001" cy="584775"/>
+          </a:xfrm>
+          <a:prstGeom prst="rect">
+            <a:avLst/>
+          </a:prstGeom>
+          <a:noFill/>
+        </p:spPr>
+        <p:txBody>
+          <a:bodyPr wrap="square" rtlCol="0">
+            <a:spAutoFit/>
+          </a:bodyPr>
+          <a:lstStyle/>
+          <a:p>
+            <a:r>
+              <a:rPr lang="ko-KR" altLang="en-US" sz="3200" dirty="0" smtClean="0"/>
+              <a:t>로그파</a:t>
+            </a:r>
+            <a:r>
+              <a:rPr lang="ko-KR" altLang="en-US" sz="3200" dirty="0"/>
+              <a:t>일</a:t>
+            </a:r>
+          </a:p>
+        </p:txBody>
+      </p:sp>
+      <p:grpSp>
+        <p:nvGrpSpPr>
+          <p:cNvPr id="2" name="그룹 1"/>
+          <p:cNvGrpSpPr/>
+          <p:nvPr/>
+        </p:nvGrpSpPr>
+        <p:grpSpPr>
+          <a:xfrm>
+            <a:off x="1637572" y="2348880"/>
+            <a:ext cx="6094615" cy="2614244"/>
+            <a:chOff x="1746548" y="1412776"/>
+            <a:chExt cx="5657850" cy="2171700"/>
+          </a:xfrm>
+        </p:grpSpPr>
+        <p:pic>
+          <p:nvPicPr>
+            <p:cNvPr id="2050" name="Picture 2"/>
+            <p:cNvPicPr>
+              <a:picLocks noChangeAspect="1" noChangeArrowheads="1"/>
+            </p:cNvPicPr>
+            <p:nvPr/>
+          </p:nvPicPr>
+          <p:blipFill>
+            <a:blip r:embed="rId2">
+              <a:extLst>
+                <a:ext uri="{28A0092B-C50C-407E-A947-70E740481C1C}">
+                  <a14:useLocalDpi xmlns:a14="http://schemas.microsoft.com/office/drawing/2010/main" val="0"/>
+                </a:ext>
+              </a:extLst>
+            </a:blip>
+            <a:srcRect/>
+            <a:stretch>
+              <a:fillRect/>
+            </a:stretch>
+          </p:blipFill>
+          <p:spPr bwMode="auto">
+            <a:xfrm>
+              <a:off x="1746548" y="2698651"/>
+              <a:ext cx="2314575" cy="885825"/>
+            </a:xfrm>
+            <a:prstGeom prst="rect">
+              <a:avLst/>
+            </a:prstGeom>
+            <a:noFill/>
+            <a:ln>
+              <a:noFill/>
+            </a:ln>
+            <a:extLst>
+              <a:ext uri="{909E8E84-426E-40DD-AFC4-6F175D3DCCD1}">
+                <a14:hiddenFill xmlns:a14="http://schemas.microsoft.com/office/drawing/2010/main">
+                  <a:solidFill>
+                    <a:schemeClr val="accent1"/>
+                  </a:solidFill>
+                </a14:hiddenFill>
+              </a:ext>
+              <a:ext uri="{91240B29-F687-4F45-9708-019B960494DF}">
+                <a14:hiddenLine xmlns:a14="http://schemas.microsoft.com/office/drawing/2010/main" w="9525">
+                  <a:solidFill>
+                    <a:schemeClr val="tx1"/>
+                  </a:solidFill>
+                  <a:miter lim="800000"/>
+                  <a:headEnd/>
+                  <a:tailEnd/>
+                </a14:hiddenLine>
+              </a:ext>
+            </a:extLst>
+          </p:spPr>
+        </p:pic>
+        <p:pic>
+          <p:nvPicPr>
+            <p:cNvPr id="2051" name="Picture 3"/>
+            <p:cNvPicPr>
+              <a:picLocks noChangeAspect="1" noChangeArrowheads="1"/>
+            </p:cNvPicPr>
+            <p:nvPr/>
+          </p:nvPicPr>
+          <p:blipFill>
+            <a:blip r:embed="rId3">
+              <a:extLst>
+                <a:ext uri="{28A0092B-C50C-407E-A947-70E740481C1C}">
+                  <a14:useLocalDpi xmlns:a14="http://schemas.microsoft.com/office/drawing/2010/main" val="0"/>
+                </a:ext>
+              </a:extLst>
+            </a:blip>
+            <a:srcRect/>
+            <a:stretch>
+              <a:fillRect/>
+            </a:stretch>
+          </p:blipFill>
+          <p:spPr bwMode="auto">
+            <a:xfrm>
+              <a:off x="1746548" y="1412776"/>
+              <a:ext cx="5314950" cy="1047750"/>
+            </a:xfrm>
+            <a:prstGeom prst="rect">
+              <a:avLst/>
+            </a:prstGeom>
+            <a:noFill/>
+            <a:ln>
+              <a:noFill/>
+            </a:ln>
+            <a:extLst>
+              <a:ext uri="{909E8E84-426E-40DD-AFC4-6F175D3DCCD1}">
+                <a14:hiddenFill xmlns:a14="http://schemas.microsoft.com/office/drawing/2010/main">
+                  <a:solidFill>
+                    <a:schemeClr val="accent1"/>
+                  </a:solidFill>
+                </a14:hiddenFill>
+              </a:ext>
+              <a:ext uri="{91240B29-F687-4F45-9708-019B960494DF}">
+                <a14:hiddenLine xmlns:a14="http://schemas.microsoft.com/office/drawing/2010/main" w="9525">
+                  <a:solidFill>
+                    <a:schemeClr val="tx1"/>
+                  </a:solidFill>
+                  <a:miter lim="800000"/>
+                  <a:headEnd/>
+                  <a:tailEnd/>
+                </a14:hiddenLine>
+              </a:ext>
+            </a:extLst>
+          </p:spPr>
+        </p:pic>
+        <p:pic>
+          <p:nvPicPr>
+            <p:cNvPr id="2052" name="Picture 4"/>
+            <p:cNvPicPr>
+              <a:picLocks noChangeAspect="1" noChangeArrowheads="1"/>
+            </p:cNvPicPr>
+            <p:nvPr/>
+          </p:nvPicPr>
+          <p:blipFill>
+            <a:blip r:embed="rId4">
+              <a:extLst>
+                <a:ext uri="{28A0092B-C50C-407E-A947-70E740481C1C}">
+                  <a14:useLocalDpi xmlns:a14="http://schemas.microsoft.com/office/drawing/2010/main" val="0"/>
+                </a:ext>
+              </a:extLst>
+            </a:blip>
+            <a:srcRect/>
+            <a:stretch>
+              <a:fillRect/>
+            </a:stretch>
+          </p:blipFill>
+          <p:spPr bwMode="auto">
+            <a:xfrm>
+              <a:off x="1746548" y="2460526"/>
+              <a:ext cx="5657850" cy="238125"/>
+            </a:xfrm>
+            <a:prstGeom prst="rect">
+              <a:avLst/>
+            </a:prstGeom>
+            <a:noFill/>
+            <a:ln>
+              <a:noFill/>
+            </a:ln>
+            <a:extLst>
+              <a:ext uri="{909E8E84-426E-40DD-AFC4-6F175D3DCCD1}">
+                <a14:hiddenFill xmlns:a14="http://schemas.microsoft.com/office/drawing/2010/main">
+                  <a:solidFill>
+                    <a:schemeClr val="accent1"/>
+                  </a:solidFill>
+                </a14:hiddenFill>
+              </a:ext>
+              <a:ext uri="{91240B29-F687-4F45-9708-019B960494DF}">
+                <a14:hiddenLine xmlns:a14="http://schemas.microsoft.com/office/drawing/2010/main" w="9525">
+                  <a:solidFill>
+                    <a:schemeClr val="tx1"/>
+                  </a:solidFill>
+                  <a:miter lim="800000"/>
+                  <a:headEnd/>
+                  <a:tailEnd/>
+                </a14:hiddenLine>
+              </a:ext>
+            </a:extLst>
+          </p:spPr>
+        </p:pic>
+      </p:grpSp>
+    </p:spTree>
+    <p:extLst>
+      <p:ext uri="{BB962C8B-B14F-4D97-AF65-F5344CB8AC3E}">
+        <p14:creationId xmlns:p14="http://schemas.microsoft.com/office/powerpoint/2010/main" val="2092594364"/>
+      </p:ext>
+    </p:extLst>
+  </p:cSld>
+  <p:clrMapOvr>
+    <a:masterClrMapping/>
+  </p:clrMapOvr>
+</p:sld>
+</file>
+
+<file path=ppt/slides/slide12.xml><?xml version="1.0" encoding="utf-8"?>
+<p:sld xmlns:a="http://schemas.openxmlformats.org/drawingml/2006/main" xmlns:r="http://schemas.openxmlformats.org/officeDocument/2006/relationships" xmlns:p="http://schemas.openxmlformats.org/presentationml/2006/main">
+  <p:cSld>
+    <p:spTree>
+      <p:nvGrpSpPr>
+        <p:cNvPr id="1" name=""/>
+        <p:cNvGrpSpPr/>
+        <p:nvPr/>
+      </p:nvGrpSpPr>
+      <p:grpSpPr>
+        <a:xfrm>
+          <a:off x="0" y="0"/>
+          <a:ext cx="0" cy="0"/>
+          <a:chOff x="0" y="0"/>
+          <a:chExt cx="0" cy="0"/>
+        </a:xfrm>
+      </p:grpSpPr>
       <p:sp>
         <p:nvSpPr>
           <p:cNvPr id="4" name="TextBox 3"/>
@@ -3301,7 +3747,7 @@
 </p:sld>
 </file>
 
-<file path=ppt/slides/slide11.xml><?xml version="1.0" encoding="utf-8"?>
+<file path=ppt/slides/slide13.xml><?xml version="1.0" encoding="utf-8"?>
 <p:sld xmlns:a="http://schemas.openxmlformats.org/drawingml/2006/main" xmlns:r="http://schemas.openxmlformats.org/officeDocument/2006/relationships" xmlns:p="http://schemas.openxmlformats.org/presentationml/2006/main">
   <p:cSld>
     <p:spTree>
@@ -3473,7 +3919,7 @@
 </p:sld>
 </file>
 
-<file path=ppt/slides/slide12.xml><?xml version="1.0" encoding="utf-8"?>
+<file path=ppt/slides/slide14.xml><?xml version="1.0" encoding="utf-8"?>
 <p:sld xmlns:a="http://schemas.openxmlformats.org/drawingml/2006/main" xmlns:r="http://schemas.openxmlformats.org/officeDocument/2006/relationships" xmlns:p="http://schemas.openxmlformats.org/presentationml/2006/main">
   <p:cSld>
     <p:spTree>
@@ -3749,7 +4195,7 @@
 </p:sld>
 </file>
 
-<file path=ppt/slides/slide13.xml><?xml version="1.0" encoding="utf-8"?>
+<file path=ppt/slides/slide15.xml><?xml version="1.0" encoding="utf-8"?>
 <p:sld xmlns:a="http://schemas.openxmlformats.org/drawingml/2006/main" xmlns:r="http://schemas.openxmlformats.org/officeDocument/2006/relationships" xmlns:p="http://schemas.openxmlformats.org/presentationml/2006/main">
   <p:cSld>
     <p:spTree>
@@ -3875,7 +4321,7 @@
 </p:sld>
 </file>
 
-<file path=ppt/slides/slide14.xml><?xml version="1.0" encoding="utf-8"?>
+<file path=ppt/slides/slide16.xml><?xml version="1.0" encoding="utf-8"?>
 <p:sld xmlns:a="http://schemas.openxmlformats.org/drawingml/2006/main" xmlns:r="http://schemas.openxmlformats.org/officeDocument/2006/relationships" xmlns:p="http://schemas.openxmlformats.org/presentationml/2006/main">
   <p:cSld>
     <p:spTree>
@@ -4043,7 +4489,7 @@
 </p:sld>
 </file>
 
-<file path=ppt/slides/slide15.xml><?xml version="1.0" encoding="utf-8"?>
+<file path=ppt/slides/slide17.xml><?xml version="1.0" encoding="utf-8"?>
 <p:sld xmlns:a="http://schemas.openxmlformats.org/drawingml/2006/main" xmlns:r="http://schemas.openxmlformats.org/officeDocument/2006/relationships" xmlns:p="http://schemas.openxmlformats.org/presentationml/2006/main">
   <p:cSld>
     <p:spTree>
@@ -4236,6 +4682,446 @@
 </file>
 
 <file path=ppt/slides/slide2.xml><?xml version="1.0" encoding="utf-8"?>
+<p:sld xmlns:a="http://schemas.openxmlformats.org/drawingml/2006/main" xmlns:r="http://schemas.openxmlformats.org/officeDocument/2006/relationships" xmlns:p="http://schemas.openxmlformats.org/presentationml/2006/main">
+  <p:cSld>
+    <p:spTree>
+      <p:nvGrpSpPr>
+        <p:cNvPr id="1" name=""/>
+        <p:cNvGrpSpPr/>
+        <p:nvPr/>
+      </p:nvGrpSpPr>
+      <p:grpSpPr>
+        <a:xfrm>
+          <a:off x="0" y="0"/>
+          <a:ext cx="0" cy="0"/>
+          <a:chOff x="0" y="0"/>
+          <a:chExt cx="0" cy="0"/>
+        </a:xfrm>
+      </p:grpSpPr>
+      <p:pic>
+        <p:nvPicPr>
+          <p:cNvPr id="1026" name="Picture 2"/>
+          <p:cNvPicPr>
+            <a:picLocks noChangeAspect="1" noChangeArrowheads="1"/>
+          </p:cNvPicPr>
+          <p:nvPr/>
+        </p:nvPicPr>
+        <p:blipFill>
+          <a:blip r:embed="rId2">
+            <a:extLst>
+              <a:ext uri="{28A0092B-C50C-407E-A947-70E740481C1C}">
+                <a14:useLocalDpi xmlns:a14="http://schemas.microsoft.com/office/drawing/2010/main" val="0"/>
+              </a:ext>
+            </a:extLst>
+          </a:blip>
+          <a:srcRect/>
+          <a:stretch>
+            <a:fillRect/>
+          </a:stretch>
+        </p:blipFill>
+        <p:spPr bwMode="auto">
+          <a:xfrm>
+            <a:off x="80203" y="692696"/>
+            <a:ext cx="1752600" cy="3019425"/>
+          </a:xfrm>
+          <a:prstGeom prst="rect">
+            <a:avLst/>
+          </a:prstGeom>
+          <a:noFill/>
+          <a:ln>
+            <a:noFill/>
+          </a:ln>
+          <a:extLst>
+            <a:ext uri="{909E8E84-426E-40DD-AFC4-6F175D3DCCD1}">
+              <a14:hiddenFill xmlns:a14="http://schemas.microsoft.com/office/drawing/2010/main">
+                <a:solidFill>
+                  <a:schemeClr val="accent1"/>
+                </a:solidFill>
+              </a14:hiddenFill>
+            </a:ext>
+            <a:ext uri="{91240B29-F687-4F45-9708-019B960494DF}">
+              <a14:hiddenLine xmlns:a14="http://schemas.microsoft.com/office/drawing/2010/main" w="9525">
+                <a:solidFill>
+                  <a:schemeClr val="tx1"/>
+                </a:solidFill>
+                <a:miter lim="800000"/>
+                <a:headEnd/>
+                <a:tailEnd/>
+              </a14:hiddenLine>
+            </a:ext>
+          </a:extLst>
+        </p:spPr>
+      </p:pic>
+      <p:pic>
+        <p:nvPicPr>
+          <p:cNvPr id="1027" name="Picture 3"/>
+          <p:cNvPicPr>
+            <a:picLocks noChangeAspect="1" noChangeArrowheads="1"/>
+          </p:cNvPicPr>
+          <p:nvPr/>
+        </p:nvPicPr>
+        <p:blipFill rotWithShape="1">
+          <a:blip r:embed="rId3">
+            <a:extLst>
+              <a:ext uri="{28A0092B-C50C-407E-A947-70E740481C1C}">
+                <a14:useLocalDpi xmlns:a14="http://schemas.microsoft.com/office/drawing/2010/main" val="0"/>
+              </a:ext>
+            </a:extLst>
+          </a:blip>
+          <a:srcRect l="36063"/>
+          <a:stretch/>
+        </p:blipFill>
+        <p:spPr bwMode="auto">
+          <a:xfrm>
+            <a:off x="4941888" y="0"/>
+            <a:ext cx="4202112" cy="3371850"/>
+          </a:xfrm>
+          <a:prstGeom prst="rect">
+            <a:avLst/>
+          </a:prstGeom>
+          <a:noFill/>
+          <a:ln>
+            <a:noFill/>
+          </a:ln>
+          <a:extLst>
+            <a:ext uri="{909E8E84-426E-40DD-AFC4-6F175D3DCCD1}">
+              <a14:hiddenFill xmlns:a14="http://schemas.microsoft.com/office/drawing/2010/main">
+                <a:solidFill>
+                  <a:schemeClr val="accent1"/>
+                </a:solidFill>
+              </a14:hiddenFill>
+            </a:ext>
+            <a:ext uri="{91240B29-F687-4F45-9708-019B960494DF}">
+              <a14:hiddenLine xmlns:a14="http://schemas.microsoft.com/office/drawing/2010/main" w="9525">
+                <a:solidFill>
+                  <a:schemeClr val="tx1"/>
+                </a:solidFill>
+                <a:miter lim="800000"/>
+                <a:headEnd/>
+                <a:tailEnd/>
+              </a14:hiddenLine>
+            </a:ext>
+          </a:extLst>
+        </p:spPr>
+      </p:pic>
+      <p:pic>
+        <p:nvPicPr>
+          <p:cNvPr id="1028" name="Picture 4"/>
+          <p:cNvPicPr>
+            <a:picLocks noChangeAspect="1" noChangeArrowheads="1"/>
+          </p:cNvPicPr>
+          <p:nvPr/>
+        </p:nvPicPr>
+        <p:blipFill>
+          <a:blip r:embed="rId4">
+            <a:extLst>
+              <a:ext uri="{28A0092B-C50C-407E-A947-70E740481C1C}">
+                <a14:useLocalDpi xmlns:a14="http://schemas.microsoft.com/office/drawing/2010/main" val="0"/>
+              </a:ext>
+            </a:extLst>
+          </a:blip>
+          <a:srcRect/>
+          <a:stretch>
+            <a:fillRect/>
+          </a:stretch>
+        </p:blipFill>
+        <p:spPr bwMode="auto">
+          <a:xfrm>
+            <a:off x="2051720" y="2492896"/>
+            <a:ext cx="4038600" cy="3981450"/>
+          </a:xfrm>
+          <a:prstGeom prst="rect">
+            <a:avLst/>
+          </a:prstGeom>
+          <a:noFill/>
+          <a:ln>
+            <a:noFill/>
+          </a:ln>
+          <a:extLst>
+            <a:ext uri="{909E8E84-426E-40DD-AFC4-6F175D3DCCD1}">
+              <a14:hiddenFill xmlns:a14="http://schemas.microsoft.com/office/drawing/2010/main">
+                <a:solidFill>
+                  <a:schemeClr val="accent1"/>
+                </a:solidFill>
+              </a14:hiddenFill>
+            </a:ext>
+            <a:ext uri="{91240B29-F687-4F45-9708-019B960494DF}">
+              <a14:hiddenLine xmlns:a14="http://schemas.microsoft.com/office/drawing/2010/main" w="9525">
+                <a:solidFill>
+                  <a:schemeClr val="tx1"/>
+                </a:solidFill>
+                <a:miter lim="800000"/>
+                <a:headEnd/>
+                <a:tailEnd/>
+              </a14:hiddenLine>
+            </a:ext>
+          </a:extLst>
+        </p:spPr>
+      </p:pic>
+      <p:sp>
+        <p:nvSpPr>
+          <p:cNvPr id="2" name="TextBox 1"/>
+          <p:cNvSpPr txBox="1"/>
+          <p:nvPr/>
+        </p:nvSpPr>
+        <p:spPr>
+          <a:xfrm>
+            <a:off x="179512" y="188640"/>
+            <a:ext cx="936104" cy="369332"/>
+          </a:xfrm>
+          <a:prstGeom prst="rect">
+            <a:avLst/>
+          </a:prstGeom>
+          <a:noFill/>
+        </p:spPr>
+        <p:txBody>
+          <a:bodyPr wrap="square" rtlCol="0">
+            <a:spAutoFit/>
+          </a:bodyPr>
+          <a:lstStyle/>
+          <a:p>
+            <a:r>
+              <a:rPr lang="ko-KR" altLang="en-US" dirty="0" smtClean="0"/>
+              <a:t>템플릿</a:t>
+            </a:r>
+            <a:endParaRPr lang="ko-KR" altLang="en-US" dirty="0"/>
+          </a:p>
+        </p:txBody>
+      </p:sp>
+    </p:spTree>
+    <p:extLst>
+      <p:ext uri="{BB962C8B-B14F-4D97-AF65-F5344CB8AC3E}">
+        <p14:creationId xmlns:p14="http://schemas.microsoft.com/office/powerpoint/2010/main" val="1695423096"/>
+      </p:ext>
+    </p:extLst>
+  </p:cSld>
+  <p:clrMapOvr>
+    <a:masterClrMapping/>
+  </p:clrMapOvr>
+</p:sld>
+</file>
+
+<file path=ppt/slides/slide3.xml><?xml version="1.0" encoding="utf-8"?>
+<p:sld xmlns:a="http://schemas.openxmlformats.org/drawingml/2006/main" xmlns:r="http://schemas.openxmlformats.org/officeDocument/2006/relationships" xmlns:p="http://schemas.openxmlformats.org/presentationml/2006/main">
+  <p:cSld>
+    <p:spTree>
+      <p:nvGrpSpPr>
+        <p:cNvPr id="1" name=""/>
+        <p:cNvGrpSpPr/>
+        <p:nvPr/>
+      </p:nvGrpSpPr>
+      <p:grpSpPr>
+        <a:xfrm>
+          <a:off x="0" y="0"/>
+          <a:ext cx="0" cy="0"/>
+          <a:chOff x="0" y="0"/>
+          <a:chExt cx="0" cy="0"/>
+        </a:xfrm>
+      </p:grpSpPr>
+      <p:pic>
+        <p:nvPicPr>
+          <p:cNvPr id="1029" name="Picture 5"/>
+          <p:cNvPicPr>
+            <a:picLocks noChangeAspect="1" noChangeArrowheads="1"/>
+          </p:cNvPicPr>
+          <p:nvPr/>
+        </p:nvPicPr>
+        <p:blipFill>
+          <a:blip r:embed="rId2">
+            <a:extLst>
+              <a:ext uri="{28A0092B-C50C-407E-A947-70E740481C1C}">
+                <a14:useLocalDpi xmlns:a14="http://schemas.microsoft.com/office/drawing/2010/main" val="0"/>
+              </a:ext>
+            </a:extLst>
+          </a:blip>
+          <a:srcRect/>
+          <a:stretch>
+            <a:fillRect/>
+          </a:stretch>
+        </p:blipFill>
+        <p:spPr bwMode="auto">
+          <a:xfrm>
+            <a:off x="0" y="548761"/>
+            <a:ext cx="3990975" cy="3886200"/>
+          </a:xfrm>
+          <a:prstGeom prst="rect">
+            <a:avLst/>
+          </a:prstGeom>
+          <a:noFill/>
+          <a:ln>
+            <a:noFill/>
+          </a:ln>
+          <a:extLst>
+            <a:ext uri="{909E8E84-426E-40DD-AFC4-6F175D3DCCD1}">
+              <a14:hiddenFill xmlns:a14="http://schemas.microsoft.com/office/drawing/2010/main">
+                <a:solidFill>
+                  <a:schemeClr val="accent1"/>
+                </a:solidFill>
+              </a14:hiddenFill>
+            </a:ext>
+            <a:ext uri="{91240B29-F687-4F45-9708-019B960494DF}">
+              <a14:hiddenLine xmlns:a14="http://schemas.microsoft.com/office/drawing/2010/main" w="9525">
+                <a:solidFill>
+                  <a:schemeClr val="tx1"/>
+                </a:solidFill>
+                <a:miter lim="800000"/>
+                <a:headEnd/>
+                <a:tailEnd/>
+              </a14:hiddenLine>
+            </a:ext>
+          </a:extLst>
+        </p:spPr>
+      </p:pic>
+      <p:pic>
+        <p:nvPicPr>
+          <p:cNvPr id="1030" name="Picture 6"/>
+          <p:cNvPicPr>
+            <a:picLocks noChangeAspect="1" noChangeArrowheads="1"/>
+          </p:cNvPicPr>
+          <p:nvPr/>
+        </p:nvPicPr>
+        <p:blipFill rotWithShape="1">
+          <a:blip r:embed="rId3">
+            <a:extLst>
+              <a:ext uri="{28A0092B-C50C-407E-A947-70E740481C1C}">
+                <a14:useLocalDpi xmlns:a14="http://schemas.microsoft.com/office/drawing/2010/main" val="0"/>
+              </a:ext>
+            </a:extLst>
+          </a:blip>
+          <a:srcRect l="36379"/>
+          <a:stretch/>
+        </p:blipFill>
+        <p:spPr bwMode="auto">
+          <a:xfrm>
+            <a:off x="4971502" y="0"/>
+            <a:ext cx="4157133" cy="3340100"/>
+          </a:xfrm>
+          <a:prstGeom prst="rect">
+            <a:avLst/>
+          </a:prstGeom>
+          <a:noFill/>
+          <a:ln>
+            <a:noFill/>
+          </a:ln>
+          <a:extLst>
+            <a:ext uri="{909E8E84-426E-40DD-AFC4-6F175D3DCCD1}">
+              <a14:hiddenFill xmlns:a14="http://schemas.microsoft.com/office/drawing/2010/main">
+                <a:solidFill>
+                  <a:schemeClr val="accent1"/>
+                </a:solidFill>
+              </a14:hiddenFill>
+            </a:ext>
+            <a:ext uri="{91240B29-F687-4F45-9708-019B960494DF}">
+              <a14:hiddenLine xmlns:a14="http://schemas.microsoft.com/office/drawing/2010/main" w="9525">
+                <a:solidFill>
+                  <a:schemeClr val="tx1"/>
+                </a:solidFill>
+                <a:miter lim="800000"/>
+                <a:headEnd/>
+                <a:tailEnd/>
+              </a14:hiddenLine>
+            </a:ext>
+          </a:extLst>
+        </p:spPr>
+      </p:pic>
+      <p:pic>
+        <p:nvPicPr>
+          <p:cNvPr id="1031" name="Picture 7"/>
+          <p:cNvPicPr>
+            <a:picLocks noChangeAspect="1" noChangeArrowheads="1"/>
+          </p:cNvPicPr>
+          <p:nvPr/>
+        </p:nvPicPr>
+        <p:blipFill>
+          <a:blip r:embed="rId4">
+            <a:extLst>
+              <a:ext uri="{28A0092B-C50C-407E-A947-70E740481C1C}">
+                <a14:useLocalDpi xmlns:a14="http://schemas.microsoft.com/office/drawing/2010/main" val="0"/>
+              </a:ext>
+            </a:extLst>
+          </a:blip>
+          <a:srcRect/>
+          <a:stretch>
+            <a:fillRect/>
+          </a:stretch>
+        </p:blipFill>
+        <p:spPr bwMode="auto">
+          <a:xfrm>
+            <a:off x="3106718" y="2607543"/>
+            <a:ext cx="3943350" cy="4238625"/>
+          </a:xfrm>
+          <a:prstGeom prst="rect">
+            <a:avLst/>
+          </a:prstGeom>
+          <a:noFill/>
+          <a:ln>
+            <a:noFill/>
+          </a:ln>
+          <a:extLst>
+            <a:ext uri="{909E8E84-426E-40DD-AFC4-6F175D3DCCD1}">
+              <a14:hiddenFill xmlns:a14="http://schemas.microsoft.com/office/drawing/2010/main">
+                <a:solidFill>
+                  <a:schemeClr val="accent1"/>
+                </a:solidFill>
+              </a14:hiddenFill>
+            </a:ext>
+            <a:ext uri="{91240B29-F687-4F45-9708-019B960494DF}">
+              <a14:hiddenLine xmlns:a14="http://schemas.microsoft.com/office/drawing/2010/main" w="9525">
+                <a:solidFill>
+                  <a:schemeClr val="tx1"/>
+                </a:solidFill>
+                <a:miter lim="800000"/>
+                <a:headEnd/>
+                <a:tailEnd/>
+              </a14:hiddenLine>
+            </a:ext>
+          </a:extLst>
+        </p:spPr>
+      </p:pic>
+      <p:sp>
+        <p:nvSpPr>
+          <p:cNvPr id="10" name="TextBox 9"/>
+          <p:cNvSpPr txBox="1"/>
+          <p:nvPr/>
+        </p:nvSpPr>
+        <p:spPr>
+          <a:xfrm>
+            <a:off x="179512" y="188640"/>
+            <a:ext cx="1440160" cy="369332"/>
+          </a:xfrm>
+          <a:prstGeom prst="rect">
+            <a:avLst/>
+          </a:prstGeom>
+          <a:noFill/>
+        </p:spPr>
+        <p:txBody>
+          <a:bodyPr wrap="square" rtlCol="0">
+            <a:spAutoFit/>
+          </a:bodyPr>
+          <a:lstStyle/>
+          <a:p>
+            <a:r>
+              <a:rPr lang="ko-KR" altLang="en-US" smtClean="0"/>
+              <a:t>인식파일</a:t>
+            </a:r>
+            <a:endParaRPr lang="ko-KR" altLang="en-US" dirty="0"/>
+          </a:p>
+        </p:txBody>
+      </p:sp>
+    </p:spTree>
+    <p:extLst>
+      <p:ext uri="{BB962C8B-B14F-4D97-AF65-F5344CB8AC3E}">
+        <p14:creationId xmlns:p14="http://schemas.microsoft.com/office/powerpoint/2010/main" val="252885152"/>
+      </p:ext>
+    </p:extLst>
+  </p:cSld>
+  <p:clrMapOvr>
+    <a:masterClrMapping/>
+  </p:clrMapOvr>
+</p:sld>
+</file>
+
+<file path=ppt/slides/slide4.xml><?xml version="1.0" encoding="utf-8"?>
 <p:sld xmlns:a="http://schemas.openxmlformats.org/drawingml/2006/main" xmlns:r="http://schemas.openxmlformats.org/officeDocument/2006/relationships" xmlns:p="http://schemas.openxmlformats.org/presentationml/2006/main">
   <p:cSld>
     <p:spTree>
@@ -4626,7 +5512,7 @@
 </p:sld>
 </file>
 
-<file path=ppt/slides/slide3.xml><?xml version="1.0" encoding="utf-8"?>
+<file path=ppt/slides/slide5.xml><?xml version="1.0" encoding="utf-8"?>
 <p:sld xmlns:a="http://schemas.openxmlformats.org/drawingml/2006/main" xmlns:r="http://schemas.openxmlformats.org/officeDocument/2006/relationships" xmlns:p="http://schemas.openxmlformats.org/presentationml/2006/main">
   <p:cSld>
     <p:spTree>
@@ -4673,7 +5559,6 @@
               <a:rPr lang="ko-KR" altLang="en-US" sz="4400" dirty="0"/>
               <a:t>일</a:t>
             </a:r>
-            <a:endParaRPr lang="ko-KR" altLang="en-US" sz="4400" dirty="0"/>
           </a:p>
         </p:txBody>
       </p:sp>
@@ -4742,7 +5627,7 @@
 </p:sld>
 </file>
 
-<file path=ppt/slides/slide4.xml><?xml version="1.0" encoding="utf-8"?>
+<file path=ppt/slides/slide6.xml><?xml version="1.0" encoding="utf-8"?>
 <p:sld xmlns:a="http://schemas.openxmlformats.org/drawingml/2006/main" xmlns:r="http://schemas.openxmlformats.org/officeDocument/2006/relationships" xmlns:p="http://schemas.openxmlformats.org/presentationml/2006/main">
   <p:cSld>
     <p:spTree>
@@ -4860,7 +5745,7 @@
 </p:sld>
 </file>
 
-<file path=ppt/slides/slide5.xml><?xml version="1.0" encoding="utf-8"?>
+<file path=ppt/slides/slide7.xml><?xml version="1.0" encoding="utf-8"?>
 <p:sld xmlns:a="http://schemas.openxmlformats.org/drawingml/2006/main" xmlns:r="http://schemas.openxmlformats.org/officeDocument/2006/relationships" xmlns:p="http://schemas.openxmlformats.org/presentationml/2006/main">
   <p:cSld>
     <p:spTree>
@@ -4969,242 +5854,6 @@
     <p:extLst>
       <p:ext uri="{BB962C8B-B14F-4D97-AF65-F5344CB8AC3E}">
         <p14:creationId xmlns:p14="http://schemas.microsoft.com/office/powerpoint/2010/main" val="2209525752"/>
-      </p:ext>
-    </p:extLst>
-  </p:cSld>
-  <p:clrMapOvr>
-    <a:masterClrMapping/>
-  </p:clrMapOvr>
-</p:sld>
-</file>
-
-<file path=ppt/slides/slide6.xml><?xml version="1.0" encoding="utf-8"?>
-<p:sld xmlns:a="http://schemas.openxmlformats.org/drawingml/2006/main" xmlns:r="http://schemas.openxmlformats.org/officeDocument/2006/relationships" xmlns:p="http://schemas.openxmlformats.org/presentationml/2006/main">
-  <p:cSld>
-    <p:spTree>
-      <p:nvGrpSpPr>
-        <p:cNvPr id="1" name=""/>
-        <p:cNvGrpSpPr/>
-        <p:nvPr/>
-      </p:nvGrpSpPr>
-      <p:grpSpPr>
-        <a:xfrm>
-          <a:off x="0" y="0"/>
-          <a:ext cx="0" cy="0"/>
-          <a:chOff x="0" y="0"/>
-          <a:chExt cx="0" cy="0"/>
-        </a:xfrm>
-      </p:grpSpPr>
-      <p:sp>
-        <p:nvSpPr>
-          <p:cNvPr id="5" name="TextBox 4"/>
-          <p:cNvSpPr txBox="1"/>
-          <p:nvPr/>
-        </p:nvSpPr>
-        <p:spPr>
-          <a:xfrm>
-            <a:off x="4211960" y="692696"/>
-            <a:ext cx="1080120" cy="769441"/>
-          </a:xfrm>
-          <a:prstGeom prst="rect">
-            <a:avLst/>
-          </a:prstGeom>
-          <a:noFill/>
-        </p:spPr>
-        <p:txBody>
-          <a:bodyPr wrap="square" rtlCol="0">
-            <a:spAutoFit/>
-          </a:bodyPr>
-          <a:lstStyle/>
-          <a:p>
-            <a:r>
-              <a:rPr lang="en-US" altLang="ko-KR" sz="4400" dirty="0"/>
-              <a:t>3</a:t>
-            </a:r>
-            <a:r>
-              <a:rPr lang="ko-KR" altLang="en-US" sz="4400" dirty="0" smtClean="0"/>
-              <a:t>번</a:t>
-            </a:r>
-            <a:endParaRPr lang="ko-KR" altLang="en-US" sz="4400" dirty="0"/>
-          </a:p>
-        </p:txBody>
-      </p:sp>
-      <p:pic>
-        <p:nvPicPr>
-          <p:cNvPr id="4098" name="Picture 2"/>
-          <p:cNvPicPr>
-            <a:picLocks noChangeAspect="1" noChangeArrowheads="1"/>
-          </p:cNvPicPr>
-          <p:nvPr/>
-        </p:nvPicPr>
-        <p:blipFill>
-          <a:blip r:embed="rId2">
-            <a:extLst>
-              <a:ext uri="{28A0092B-C50C-407E-A947-70E740481C1C}">
-                <a14:useLocalDpi xmlns:a14="http://schemas.microsoft.com/office/drawing/2010/main" val="0"/>
-              </a:ext>
-            </a:extLst>
-          </a:blip>
-          <a:srcRect/>
-          <a:stretch>
-            <a:fillRect/>
-          </a:stretch>
-        </p:blipFill>
-        <p:spPr bwMode="auto">
-          <a:xfrm>
-            <a:off x="899592" y="1844824"/>
-            <a:ext cx="7704855" cy="1650603"/>
-          </a:xfrm>
-          <a:prstGeom prst="rect">
-            <a:avLst/>
-          </a:prstGeom>
-          <a:noFill/>
-          <a:ln>
-            <a:noFill/>
-          </a:ln>
-          <a:extLst>
-            <a:ext uri="{909E8E84-426E-40DD-AFC4-6F175D3DCCD1}">
-              <a14:hiddenFill xmlns:a14="http://schemas.microsoft.com/office/drawing/2010/main">
-                <a:solidFill>
-                  <a:schemeClr val="accent1"/>
-                </a:solidFill>
-              </a14:hiddenFill>
-            </a:ext>
-            <a:ext uri="{91240B29-F687-4F45-9708-019B960494DF}">
-              <a14:hiddenLine xmlns:a14="http://schemas.microsoft.com/office/drawing/2010/main" w="9525">
-                <a:solidFill>
-                  <a:schemeClr val="tx1"/>
-                </a:solidFill>
-                <a:miter lim="800000"/>
-                <a:headEnd/>
-                <a:tailEnd/>
-              </a14:hiddenLine>
-            </a:ext>
-          </a:extLst>
-        </p:spPr>
-      </p:pic>
-    </p:spTree>
-    <p:extLst>
-      <p:ext uri="{BB962C8B-B14F-4D97-AF65-F5344CB8AC3E}">
-        <p14:creationId xmlns:p14="http://schemas.microsoft.com/office/powerpoint/2010/main" val="3241284030"/>
-      </p:ext>
-    </p:extLst>
-  </p:cSld>
-  <p:clrMapOvr>
-    <a:masterClrMapping/>
-  </p:clrMapOvr>
-</p:sld>
-</file>
-
-<file path=ppt/slides/slide7.xml><?xml version="1.0" encoding="utf-8"?>
-<p:sld xmlns:a="http://schemas.openxmlformats.org/drawingml/2006/main" xmlns:r="http://schemas.openxmlformats.org/officeDocument/2006/relationships" xmlns:p="http://schemas.openxmlformats.org/presentationml/2006/main">
-  <p:cSld>
-    <p:spTree>
-      <p:nvGrpSpPr>
-        <p:cNvPr id="1" name=""/>
-        <p:cNvGrpSpPr/>
-        <p:nvPr/>
-      </p:nvGrpSpPr>
-      <p:grpSpPr>
-        <a:xfrm>
-          <a:off x="0" y="0"/>
-          <a:ext cx="0" cy="0"/>
-          <a:chOff x="0" y="0"/>
-          <a:chExt cx="0" cy="0"/>
-        </a:xfrm>
-      </p:grpSpPr>
-      <p:sp>
-        <p:nvSpPr>
-          <p:cNvPr id="5" name="TextBox 4"/>
-          <p:cNvSpPr txBox="1"/>
-          <p:nvPr/>
-        </p:nvSpPr>
-        <p:spPr>
-          <a:xfrm>
-            <a:off x="4210743" y="307975"/>
-            <a:ext cx="1080120" cy="769441"/>
-          </a:xfrm>
-          <a:prstGeom prst="rect">
-            <a:avLst/>
-          </a:prstGeom>
-          <a:noFill/>
-        </p:spPr>
-        <p:txBody>
-          <a:bodyPr wrap="square" rtlCol="0">
-            <a:spAutoFit/>
-          </a:bodyPr>
-          <a:lstStyle/>
-          <a:p>
-            <a:r>
-              <a:rPr lang="en-US" altLang="ko-KR" sz="4400" dirty="0" smtClean="0"/>
-              <a:t>4</a:t>
-            </a:r>
-            <a:r>
-              <a:rPr lang="ko-KR" altLang="en-US" sz="4400" dirty="0" smtClean="0"/>
-              <a:t>번</a:t>
-            </a:r>
-            <a:endParaRPr lang="ko-KR" altLang="en-US" sz="4400" dirty="0"/>
-          </a:p>
-        </p:txBody>
-      </p:sp>
-      <p:pic>
-        <p:nvPicPr>
-          <p:cNvPr id="5122" name="Picture 2"/>
-          <p:cNvPicPr>
-            <a:picLocks noChangeAspect="1" noChangeArrowheads="1"/>
-          </p:cNvPicPr>
-          <p:nvPr/>
-        </p:nvPicPr>
-        <p:blipFill>
-          <a:blip r:embed="rId2">
-            <a:extLst>
-              <a:ext uri="{28A0092B-C50C-407E-A947-70E740481C1C}">
-                <a14:useLocalDpi xmlns:a14="http://schemas.microsoft.com/office/drawing/2010/main" val="0"/>
-              </a:ext>
-            </a:extLst>
-          </a:blip>
-          <a:srcRect/>
-          <a:stretch>
-            <a:fillRect/>
-          </a:stretch>
-        </p:blipFill>
-        <p:spPr bwMode="auto">
-          <a:xfrm>
-            <a:off x="639955" y="1268760"/>
-            <a:ext cx="7991475" cy="5095875"/>
-          </a:xfrm>
-          <a:prstGeom prst="rect">
-            <a:avLst/>
-          </a:prstGeom>
-          <a:noFill/>
-          <a:ln>
-            <a:noFill/>
-          </a:ln>
-          <a:extLst>
-            <a:ext uri="{909E8E84-426E-40DD-AFC4-6F175D3DCCD1}">
-              <a14:hiddenFill xmlns:a14="http://schemas.microsoft.com/office/drawing/2010/main">
-                <a:solidFill>
-                  <a:schemeClr val="accent1"/>
-                </a:solidFill>
-              </a14:hiddenFill>
-            </a:ext>
-            <a:ext uri="{91240B29-F687-4F45-9708-019B960494DF}">
-              <a14:hiddenLine xmlns:a14="http://schemas.microsoft.com/office/drawing/2010/main" w="9525">
-                <a:solidFill>
-                  <a:schemeClr val="tx1"/>
-                </a:solidFill>
-                <a:miter lim="800000"/>
-                <a:headEnd/>
-                <a:tailEnd/>
-              </a14:hiddenLine>
-            </a:ext>
-          </a:extLst>
-        </p:spPr>
-      </p:pic>
-    </p:spTree>
-    <p:extLst>
-      <p:ext uri="{BB962C8B-B14F-4D97-AF65-F5344CB8AC3E}">
-        <p14:creationId xmlns:p14="http://schemas.microsoft.com/office/powerpoint/2010/main" val="2538178646"/>
       </p:ext>
     </p:extLst>
   </p:cSld>
@@ -5231,73 +5880,21 @@
           <a:chExt cx="0" cy="0"/>
         </a:xfrm>
       </p:grpSpPr>
-      <p:pic>
-        <p:nvPicPr>
-          <p:cNvPr id="6146" name="Picture 2"/>
-          <p:cNvPicPr>
-            <a:picLocks noChangeAspect="1" noChangeArrowheads="1"/>
-          </p:cNvPicPr>
+      <p:sp>
+        <p:nvSpPr>
+          <p:cNvPr id="5" name="TextBox 4"/>
+          <p:cNvSpPr txBox="1"/>
           <p:nvPr/>
-        </p:nvPicPr>
-        <p:blipFill rotWithShape="1">
-          <a:blip r:embed="rId2">
-            <a:extLst>
-              <a:ext uri="{28A0092B-C50C-407E-A947-70E740481C1C}">
-                <a14:useLocalDpi xmlns:a14="http://schemas.microsoft.com/office/drawing/2010/main" val="0"/>
-              </a:ext>
-            </a:extLst>
-          </a:blip>
-          <a:srcRect b="19733"/>
-          <a:stretch/>
-        </p:blipFill>
-        <p:spPr bwMode="auto">
-          <a:xfrm>
-            <a:off x="716965" y="980728"/>
-            <a:ext cx="8105775" cy="3700400"/>
+        </p:nvSpPr>
+        <p:spPr>
+          <a:xfrm>
+            <a:off x="4211960" y="692696"/>
+            <a:ext cx="1080120" cy="769441"/>
           </a:xfrm>
           <a:prstGeom prst="rect">
             <a:avLst/>
           </a:prstGeom>
           <a:noFill/>
-          <a:ln>
-            <a:noFill/>
-          </a:ln>
-          <a:extLst>
-            <a:ext uri="{909E8E84-426E-40DD-AFC4-6F175D3DCCD1}">
-              <a14:hiddenFill xmlns:a14="http://schemas.microsoft.com/office/drawing/2010/main">
-                <a:solidFill>
-                  <a:schemeClr val="accent1"/>
-                </a:solidFill>
-              </a14:hiddenFill>
-            </a:ext>
-            <a:ext uri="{91240B29-F687-4F45-9708-019B960494DF}">
-              <a14:hiddenLine xmlns:a14="http://schemas.microsoft.com/office/drawing/2010/main" w="9525">
-                <a:solidFill>
-                  <a:schemeClr val="tx1"/>
-                </a:solidFill>
-                <a:miter lim="800000"/>
-                <a:headEnd/>
-                <a:tailEnd/>
-              </a14:hiddenLine>
-            </a:ext>
-          </a:extLst>
-        </p:spPr>
-      </p:pic>
-      <p:sp>
-        <p:nvSpPr>
-          <p:cNvPr id="6" name="TextBox 5"/>
-          <p:cNvSpPr txBox="1"/>
-          <p:nvPr/>
-        </p:nvSpPr>
-        <p:spPr>
-          <a:xfrm>
-            <a:off x="4210743" y="307975"/>
-            <a:ext cx="1080120" cy="584775"/>
-          </a:xfrm>
-          <a:prstGeom prst="rect">
-            <a:avLst/>
-          </a:prstGeom>
-          <a:noFill/>
         </p:spPr>
         <p:txBody>
           <a:bodyPr wrap="square" rtlCol="0">
@@ -5306,27 +5903,27 @@
           <a:lstStyle/>
           <a:p>
             <a:r>
-              <a:rPr lang="en-US" altLang="ko-KR" sz="3200" dirty="0"/>
-              <a:t>5</a:t>
-            </a:r>
-            <a:r>
-              <a:rPr lang="ko-KR" altLang="en-US" sz="3200" dirty="0" smtClean="0"/>
+              <a:rPr lang="en-US" altLang="ko-KR" sz="4400" dirty="0"/>
+              <a:t>3</a:t>
+            </a:r>
+            <a:r>
+              <a:rPr lang="ko-KR" altLang="en-US" sz="4400" dirty="0" smtClean="0"/>
               <a:t>번</a:t>
             </a:r>
-            <a:endParaRPr lang="ko-KR" altLang="en-US" sz="3200" dirty="0"/>
+            <a:endParaRPr lang="ko-KR" altLang="en-US" sz="4400" dirty="0"/>
           </a:p>
         </p:txBody>
       </p:sp>
       <p:pic>
         <p:nvPicPr>
-          <p:cNvPr id="6148" name="Picture 4"/>
+          <p:cNvPr id="4098" name="Picture 2"/>
           <p:cNvPicPr>
             <a:picLocks noChangeAspect="1" noChangeArrowheads="1"/>
           </p:cNvPicPr>
           <p:nvPr/>
         </p:nvPicPr>
         <p:blipFill>
-          <a:blip r:embed="rId3">
+          <a:blip r:embed="rId2">
             <a:extLst>
               <a:ext uri="{28A0092B-C50C-407E-A947-70E740481C1C}">
                 <a14:useLocalDpi xmlns:a14="http://schemas.microsoft.com/office/drawing/2010/main" val="0"/>
@@ -5340,8 +5937,8 @@
         </p:blipFill>
         <p:spPr bwMode="auto">
           <a:xfrm>
-            <a:off x="539552" y="5589240"/>
-            <a:ext cx="8143875" cy="771525"/>
+            <a:off x="899592" y="1844824"/>
+            <a:ext cx="7704855" cy="1650603"/>
           </a:xfrm>
           <a:prstGeom prst="rect">
             <a:avLst/>
@@ -5371,44 +5968,10 @@
           </a:extLst>
         </p:spPr>
       </p:pic>
-      <p:sp>
-        <p:nvSpPr>
-          <p:cNvPr id="10" name="TextBox 9"/>
-          <p:cNvSpPr txBox="1"/>
-          <p:nvPr/>
-        </p:nvSpPr>
-        <p:spPr>
-          <a:xfrm>
-            <a:off x="3851920" y="4869160"/>
-            <a:ext cx="1080120" cy="584775"/>
-          </a:xfrm>
-          <a:prstGeom prst="rect">
-            <a:avLst/>
-          </a:prstGeom>
-          <a:noFill/>
-        </p:spPr>
-        <p:txBody>
-          <a:bodyPr wrap="square" rtlCol="0">
-            <a:spAutoFit/>
-          </a:bodyPr>
-          <a:lstStyle/>
-          <a:p>
-            <a:r>
-              <a:rPr lang="en-US" altLang="ko-KR" sz="3200" dirty="0" smtClean="0"/>
-              <a:t>6</a:t>
-            </a:r>
-            <a:r>
-              <a:rPr lang="ko-KR" altLang="en-US" sz="3200" dirty="0" smtClean="0"/>
-              <a:t>번</a:t>
-            </a:r>
-            <a:endParaRPr lang="ko-KR" altLang="en-US" sz="3200" dirty="0"/>
-          </a:p>
-        </p:txBody>
-      </p:sp>
     </p:spTree>
     <p:extLst>
       <p:ext uri="{BB962C8B-B14F-4D97-AF65-F5344CB8AC3E}">
-        <p14:creationId xmlns:p14="http://schemas.microsoft.com/office/powerpoint/2010/main" val="2326912738"/>
+        <p14:creationId xmlns:p14="http://schemas.microsoft.com/office/powerpoint/2010/main" val="3241284030"/>
       </p:ext>
     </p:extLst>
   </p:cSld>
@@ -5437,14 +6000,14 @@
       </p:grpSpPr>
       <p:sp>
         <p:nvSpPr>
-          <p:cNvPr id="6" name="TextBox 5"/>
+          <p:cNvPr id="5" name="TextBox 4"/>
           <p:cNvSpPr txBox="1"/>
           <p:nvPr/>
         </p:nvSpPr>
         <p:spPr>
           <a:xfrm>
-            <a:off x="3491880" y="620688"/>
-            <a:ext cx="2386001" cy="584775"/>
+            <a:off x="4210743" y="307975"/>
+            <a:ext cx="1080120" cy="769441"/>
           </a:xfrm>
           <a:prstGeom prst="rect">
             <a:avLst/>
@@ -5458,198 +6021,75 @@
           <a:lstStyle/>
           <a:p>
             <a:r>
-              <a:rPr lang="ko-KR" altLang="en-US" sz="3200" dirty="0" smtClean="0"/>
-              <a:t>로그파</a:t>
-            </a:r>
-            <a:r>
-              <a:rPr lang="ko-KR" altLang="en-US" sz="3200" dirty="0"/>
-              <a:t>일</a:t>
-            </a:r>
-            <a:endParaRPr lang="ko-KR" altLang="en-US" sz="3200" dirty="0"/>
-          </a:p>
-        </p:txBody>
-      </p:sp>
-      <p:grpSp>
-        <p:nvGrpSpPr>
-          <p:cNvPr id="2" name="그룹 1"/>
-          <p:cNvGrpSpPr/>
+              <a:rPr lang="en-US" altLang="ko-KR" sz="4400" dirty="0" smtClean="0"/>
+              <a:t>4</a:t>
+            </a:r>
+            <a:r>
+              <a:rPr lang="ko-KR" altLang="en-US" sz="4400" dirty="0" smtClean="0"/>
+              <a:t>번</a:t>
+            </a:r>
+            <a:endParaRPr lang="ko-KR" altLang="en-US" sz="4400" dirty="0"/>
+          </a:p>
+        </p:txBody>
+      </p:sp>
+      <p:pic>
+        <p:nvPicPr>
+          <p:cNvPr id="5122" name="Picture 2"/>
+          <p:cNvPicPr>
+            <a:picLocks noChangeAspect="1" noChangeArrowheads="1"/>
+          </p:cNvPicPr>
           <p:nvPr/>
-        </p:nvGrpSpPr>
-        <p:grpSpPr>
-          <a:xfrm>
-            <a:off x="1637572" y="2348880"/>
-            <a:ext cx="6094615" cy="2614244"/>
-            <a:chOff x="1746548" y="1412776"/>
-            <a:chExt cx="5657850" cy="2171700"/>
-          </a:xfrm>
-        </p:grpSpPr>
-        <p:pic>
-          <p:nvPicPr>
-            <p:cNvPr id="2050" name="Picture 2"/>
-            <p:cNvPicPr>
-              <a:picLocks noChangeAspect="1" noChangeArrowheads="1"/>
-            </p:cNvPicPr>
-            <p:nvPr/>
-          </p:nvPicPr>
-          <p:blipFill>
-            <a:blip r:embed="rId2">
-              <a:extLst>
-                <a:ext uri="{28A0092B-C50C-407E-A947-70E740481C1C}">
-                  <a14:useLocalDpi xmlns:a14="http://schemas.microsoft.com/office/drawing/2010/main" val="0"/>
-                </a:ext>
-              </a:extLst>
-            </a:blip>
-            <a:srcRect/>
-            <a:stretch>
-              <a:fillRect/>
-            </a:stretch>
-          </p:blipFill>
-          <p:spPr bwMode="auto">
-            <a:xfrm>
-              <a:off x="1746548" y="2698651"/>
-              <a:ext cx="2314575" cy="885825"/>
-            </a:xfrm>
-            <a:prstGeom prst="rect">
-              <a:avLst/>
-            </a:prstGeom>
-            <a:noFill/>
-            <a:ln>
-              <a:noFill/>
-            </a:ln>
+        </p:nvPicPr>
+        <p:blipFill>
+          <a:blip r:embed="rId2">
             <a:extLst>
-              <a:ext uri="{909E8E84-426E-40DD-AFC4-6F175D3DCCD1}">
-                <a14:hiddenFill xmlns:a14="http://schemas.microsoft.com/office/drawing/2010/main">
-                  <a:solidFill>
-                    <a:schemeClr val="accent1"/>
-                  </a:solidFill>
-                </a14:hiddenFill>
-              </a:ext>
-              <a:ext uri="{91240B29-F687-4F45-9708-019B960494DF}">
-                <a14:hiddenLine xmlns:a14="http://schemas.microsoft.com/office/drawing/2010/main" w="9525">
-                  <a:solidFill>
-                    <a:schemeClr val="tx1"/>
-                  </a:solidFill>
-                  <a:miter lim="800000"/>
-                  <a:headEnd/>
-                  <a:tailEnd/>
-                </a14:hiddenLine>
+              <a:ext uri="{28A0092B-C50C-407E-A947-70E740481C1C}">
+                <a14:useLocalDpi xmlns:a14="http://schemas.microsoft.com/office/drawing/2010/main" val="0"/>
               </a:ext>
             </a:extLst>
-          </p:spPr>
-        </p:pic>
-        <p:pic>
-          <p:nvPicPr>
-            <p:cNvPr id="2051" name="Picture 3"/>
-            <p:cNvPicPr>
-              <a:picLocks noChangeAspect="1" noChangeArrowheads="1"/>
-            </p:cNvPicPr>
-            <p:nvPr/>
-          </p:nvPicPr>
-          <p:blipFill>
-            <a:blip r:embed="rId3">
-              <a:extLst>
-                <a:ext uri="{28A0092B-C50C-407E-A947-70E740481C1C}">
-                  <a14:useLocalDpi xmlns:a14="http://schemas.microsoft.com/office/drawing/2010/main" val="0"/>
-                </a:ext>
-              </a:extLst>
-            </a:blip>
-            <a:srcRect/>
-            <a:stretch>
-              <a:fillRect/>
-            </a:stretch>
-          </p:blipFill>
-          <p:spPr bwMode="auto">
-            <a:xfrm>
-              <a:off x="1746548" y="1412776"/>
-              <a:ext cx="5314950" cy="1047750"/>
-            </a:xfrm>
-            <a:prstGeom prst="rect">
-              <a:avLst/>
-            </a:prstGeom>
+          </a:blip>
+          <a:srcRect/>
+          <a:stretch>
+            <a:fillRect/>
+          </a:stretch>
+        </p:blipFill>
+        <p:spPr bwMode="auto">
+          <a:xfrm>
+            <a:off x="639955" y="1268760"/>
+            <a:ext cx="7991475" cy="5095875"/>
+          </a:xfrm>
+          <a:prstGeom prst="rect">
+            <a:avLst/>
+          </a:prstGeom>
+          <a:noFill/>
+          <a:ln>
             <a:noFill/>
-            <a:ln>
-              <a:noFill/>
-            </a:ln>
-            <a:extLst>
-              <a:ext uri="{909E8E84-426E-40DD-AFC4-6F175D3DCCD1}">
-                <a14:hiddenFill xmlns:a14="http://schemas.microsoft.com/office/drawing/2010/main">
-                  <a:solidFill>
-                    <a:schemeClr val="accent1"/>
-                  </a:solidFill>
-                </a14:hiddenFill>
-              </a:ext>
-              <a:ext uri="{91240B29-F687-4F45-9708-019B960494DF}">
-                <a14:hiddenLine xmlns:a14="http://schemas.microsoft.com/office/drawing/2010/main" w="9525">
-                  <a:solidFill>
-                    <a:schemeClr val="tx1"/>
-                  </a:solidFill>
-                  <a:miter lim="800000"/>
-                  <a:headEnd/>
-                  <a:tailEnd/>
-                </a14:hiddenLine>
-              </a:ext>
-            </a:extLst>
-          </p:spPr>
-        </p:pic>
-        <p:pic>
-          <p:nvPicPr>
-            <p:cNvPr id="2052" name="Picture 4"/>
-            <p:cNvPicPr>
-              <a:picLocks noChangeAspect="1" noChangeArrowheads="1"/>
-            </p:cNvPicPr>
-            <p:nvPr/>
-          </p:nvPicPr>
-          <p:blipFill>
-            <a:blip r:embed="rId4">
-              <a:extLst>
-                <a:ext uri="{28A0092B-C50C-407E-A947-70E740481C1C}">
-                  <a14:useLocalDpi xmlns:a14="http://schemas.microsoft.com/office/drawing/2010/main" val="0"/>
-                </a:ext>
-              </a:extLst>
-            </a:blip>
-            <a:srcRect/>
-            <a:stretch>
-              <a:fillRect/>
-            </a:stretch>
-          </p:blipFill>
-          <p:spPr bwMode="auto">
-            <a:xfrm>
-              <a:off x="1746548" y="2460526"/>
-              <a:ext cx="5657850" cy="238125"/>
-            </a:xfrm>
-            <a:prstGeom prst="rect">
-              <a:avLst/>
-            </a:prstGeom>
-            <a:noFill/>
-            <a:ln>
-              <a:noFill/>
-            </a:ln>
-            <a:extLst>
-              <a:ext uri="{909E8E84-426E-40DD-AFC4-6F175D3DCCD1}">
-                <a14:hiddenFill xmlns:a14="http://schemas.microsoft.com/office/drawing/2010/main">
-                  <a:solidFill>
-                    <a:schemeClr val="accent1"/>
-                  </a:solidFill>
-                </a14:hiddenFill>
-              </a:ext>
-              <a:ext uri="{91240B29-F687-4F45-9708-019B960494DF}">
-                <a14:hiddenLine xmlns:a14="http://schemas.microsoft.com/office/drawing/2010/main" w="9525">
-                  <a:solidFill>
-                    <a:schemeClr val="tx1"/>
-                  </a:solidFill>
-                  <a:miter lim="800000"/>
-                  <a:headEnd/>
-                  <a:tailEnd/>
-                </a14:hiddenLine>
-              </a:ext>
-            </a:extLst>
-          </p:spPr>
-        </p:pic>
-      </p:grpSp>
+          </a:ln>
+          <a:extLst>
+            <a:ext uri="{909E8E84-426E-40DD-AFC4-6F175D3DCCD1}">
+              <a14:hiddenFill xmlns:a14="http://schemas.microsoft.com/office/drawing/2010/main">
+                <a:solidFill>
+                  <a:schemeClr val="accent1"/>
+                </a:solidFill>
+              </a14:hiddenFill>
+            </a:ext>
+            <a:ext uri="{91240B29-F687-4F45-9708-019B960494DF}">
+              <a14:hiddenLine xmlns:a14="http://schemas.microsoft.com/office/drawing/2010/main" w="9525">
+                <a:solidFill>
+                  <a:schemeClr val="tx1"/>
+                </a:solidFill>
+                <a:miter lim="800000"/>
+                <a:headEnd/>
+                <a:tailEnd/>
+              </a14:hiddenLine>
+            </a:ext>
+          </a:extLst>
+        </p:spPr>
+      </p:pic>
     </p:spTree>
     <p:extLst>
       <p:ext uri="{BB962C8B-B14F-4D97-AF65-F5344CB8AC3E}">
-        <p14:creationId xmlns:p14="http://schemas.microsoft.com/office/powerpoint/2010/main" val="2092594364"/>
+        <p14:creationId xmlns:p14="http://schemas.microsoft.com/office/powerpoint/2010/main" val="2538178646"/>
       </p:ext>
     </p:extLst>
   </p:cSld>
